--- a/Evaluacion sumativa 1.pptx
+++ b/Evaluacion sumativa 1.pptx
@@ -5,7 +5,7 @@
     <p:sldMasterId id="2147483659" r:id="rId1"/>
   </p:sldMasterIdLst>
   <p:notesMasterIdLst>
-    <p:notesMasterId r:id="rId10"/>
+    <p:notesMasterId r:id="rId11"/>
   </p:notesMasterIdLst>
   <p:sldIdLst>
     <p:sldId id="256" r:id="rId2"/>
@@ -16,23 +16,24 @@
     <p:sldId id="262" r:id="rId7"/>
     <p:sldId id="263" r:id="rId8"/>
     <p:sldId id="264" r:id="rId9"/>
+    <p:sldId id="266" r:id="rId10"/>
   </p:sldIdLst>
   <p:sldSz cx="9144000" cy="5143500" type="screen16x9"/>
   <p:notesSz cx="6858000" cy="9144000"/>
   <p:embeddedFontLst>
     <p:embeddedFont>
       <p:font typeface="Lato" panose="020B0604020202020204" charset="0"/>
-      <p:regular r:id="rId11"/>
-      <p:bold r:id="rId12"/>
-      <p:italic r:id="rId13"/>
-      <p:boldItalic r:id="rId14"/>
+      <p:regular r:id="rId12"/>
+      <p:bold r:id="rId13"/>
+      <p:italic r:id="rId14"/>
+      <p:boldItalic r:id="rId15"/>
     </p:embeddedFont>
     <p:embeddedFont>
       <p:font typeface="Montserrat" panose="020B0604020202020204" charset="0"/>
-      <p:regular r:id="rId15"/>
-      <p:bold r:id="rId16"/>
-      <p:italic r:id="rId17"/>
-      <p:boldItalic r:id="rId18"/>
+      <p:regular r:id="rId16"/>
+      <p:bold r:id="rId17"/>
+      <p:italic r:id="rId18"/>
+      <p:boldItalic r:id="rId19"/>
     </p:embeddedFont>
   </p:embeddedFontLst>
   <p:defaultTextStyle>
@@ -1549,6 +1550,115 @@
         </p:txBody>
       </p:sp>
     </p:spTree>
+  </p:cSld>
+  <p:clrMapOvr>
+    <a:masterClrMapping/>
+  </p:clrMapOvr>
+</p:notes>
+</file>
+
+<file path=ppt/notesSlides/notesSlide9.xml><?xml version="1.0" encoding="utf-8"?>
+<p:notes xmlns:a="http://schemas.openxmlformats.org/drawingml/2006/main" xmlns:r="http://schemas.openxmlformats.org/officeDocument/2006/relationships" xmlns:p="http://schemas.openxmlformats.org/presentationml/2006/main" showMasterSp="0" showMasterPhAnim="0">
+  <p:cSld>
+    <p:spTree>
+      <p:nvGrpSpPr>
+        <p:cNvPr id="1" name="Shape 178"/>
+        <p:cNvGrpSpPr/>
+        <p:nvPr/>
+      </p:nvGrpSpPr>
+      <p:grpSpPr>
+        <a:xfrm>
+          <a:off x="0" y="0"/>
+          <a:ext cx="0" cy="0"/>
+          <a:chOff x="0" y="0"/>
+          <a:chExt cx="0" cy="0"/>
+        </a:xfrm>
+      </p:grpSpPr>
+      <p:sp>
+        <p:nvSpPr>
+          <p:cNvPr id="179" name="Google Shape;179;gcd6a8d1a9b_0_424:notes"/>
+          <p:cNvSpPr>
+            <a:spLocks noGrp="1" noRot="1" noChangeAspect="1"/>
+          </p:cNvSpPr>
+          <p:nvPr>
+            <p:ph type="sldImg" idx="2"/>
+          </p:nvPr>
+        </p:nvSpPr>
+        <p:spPr>
+          <a:xfrm>
+            <a:off x="381000" y="685800"/>
+            <a:ext cx="6096000" cy="3429000"/>
+          </a:xfrm>
+          <a:custGeom>
+            <a:avLst/>
+            <a:gdLst/>
+            <a:ahLst/>
+            <a:cxnLst/>
+            <a:rect l="l" t="t" r="r" b="b"/>
+            <a:pathLst>
+              <a:path w="120000" h="120000" extrusionOk="0">
+                <a:moveTo>
+                  <a:pt x="0" y="0"/>
+                </a:moveTo>
+                <a:lnTo>
+                  <a:pt x="120000" y="0"/>
+                </a:lnTo>
+                <a:lnTo>
+                  <a:pt x="120000" y="120000"/>
+                </a:lnTo>
+                <a:lnTo>
+                  <a:pt x="0" y="120000"/>
+                </a:lnTo>
+                <a:close/>
+              </a:path>
+            </a:pathLst>
+          </a:custGeom>
+        </p:spPr>
+      </p:sp>
+      <p:sp>
+        <p:nvSpPr>
+          <p:cNvPr id="180" name="Google Shape;180;gcd6a8d1a9b_0_424:notes"/>
+          <p:cNvSpPr txBox="1">
+            <a:spLocks noGrp="1"/>
+          </p:cNvSpPr>
+          <p:nvPr>
+            <p:ph type="body" idx="1"/>
+          </p:nvPr>
+        </p:nvSpPr>
+        <p:spPr>
+          <a:xfrm>
+            <a:off x="685800" y="4343400"/>
+            <a:ext cx="5486400" cy="4114800"/>
+          </a:xfrm>
+          <a:prstGeom prst="rect">
+            <a:avLst/>
+          </a:prstGeom>
+        </p:spPr>
+        <p:txBody>
+          <a:bodyPr spcFirstLastPara="1" wrap="square" lIns="91425" tIns="91425" rIns="91425" bIns="91425" anchor="t" anchorCtr="0">
+            <a:noAutofit/>
+          </a:bodyPr>
+          <a:lstStyle/>
+          <a:p>
+            <a:pPr marL="0" lvl="0" indent="0" algn="l" rtl="0">
+              <a:spcBef>
+                <a:spcPts val="0"/>
+              </a:spcBef>
+              <a:spcAft>
+                <a:spcPts val="0"/>
+              </a:spcAft>
+              <a:buNone/>
+            </a:pPr>
+            <a:endParaRPr/>
+          </a:p>
+        </p:txBody>
+      </p:sp>
+    </p:spTree>
+    <p:extLst>
+      <p:ext uri="{BB962C8B-B14F-4D97-AF65-F5344CB8AC3E}">
+        <p14:creationId xmlns:p14="http://schemas.microsoft.com/office/powerpoint/2010/main" val="1056964732"/>
+      </p:ext>
+    </p:extLst>
   </p:cSld>
   <p:clrMapOvr>
     <a:masterClrMapping/>
@@ -12176,6 +12286,134 @@
 </p:sld>
 </file>
 
+<file path=ppt/slides/slide9.xml><?xml version="1.0" encoding="utf-8"?>
+<p:sld xmlns:a="http://schemas.openxmlformats.org/drawingml/2006/main" xmlns:r="http://schemas.openxmlformats.org/officeDocument/2006/relationships" xmlns:p="http://schemas.openxmlformats.org/presentationml/2006/main">
+  <p:cSld>
+    <p:spTree>
+      <p:nvGrpSpPr>
+        <p:cNvPr id="1" name="Shape 181"/>
+        <p:cNvGrpSpPr/>
+        <p:nvPr/>
+      </p:nvGrpSpPr>
+      <p:grpSpPr>
+        <a:xfrm>
+          <a:off x="0" y="0"/>
+          <a:ext cx="0" cy="0"/>
+          <a:chOff x="0" y="0"/>
+          <a:chExt cx="0" cy="0"/>
+        </a:xfrm>
+      </p:grpSpPr>
+      <p:sp>
+        <p:nvSpPr>
+          <p:cNvPr id="182" name="Google Shape;182;p21"/>
+          <p:cNvSpPr txBox="1">
+            <a:spLocks noGrp="1"/>
+          </p:cNvSpPr>
+          <p:nvPr>
+            <p:ph type="title"/>
+          </p:nvPr>
+        </p:nvSpPr>
+        <p:spPr>
+          <a:xfrm>
+            <a:off x="1297500" y="393750"/>
+            <a:ext cx="7038900" cy="914100"/>
+          </a:xfrm>
+          <a:prstGeom prst="rect">
+            <a:avLst/>
+          </a:prstGeom>
+        </p:spPr>
+        <p:txBody>
+          <a:bodyPr spcFirstLastPara="1" wrap="square" lIns="91425" tIns="91425" rIns="91425" bIns="91425" anchor="t" anchorCtr="0">
+            <a:normAutofit/>
+          </a:bodyPr>
+          <a:lstStyle/>
+          <a:p>
+            <a:pPr marL="0" lvl="0" indent="0" algn="ctr" rtl="0">
+              <a:spcBef>
+                <a:spcPts val="0"/>
+              </a:spcBef>
+              <a:spcAft>
+                <a:spcPts val="0"/>
+              </a:spcAft>
+              <a:buNone/>
+            </a:pPr>
+            <a:r>
+              <a:rPr lang="es-419" dirty="0"/>
+              <a:t>GitHub del proyecto</a:t>
+            </a:r>
+            <a:endParaRPr dirty="0"/>
+          </a:p>
+        </p:txBody>
+      </p:sp>
+      <p:sp>
+        <p:nvSpPr>
+          <p:cNvPr id="183" name="Google Shape;183;p21"/>
+          <p:cNvSpPr txBox="1">
+            <a:spLocks noGrp="1"/>
+          </p:cNvSpPr>
+          <p:nvPr>
+            <p:ph type="body" idx="1"/>
+          </p:nvPr>
+        </p:nvSpPr>
+        <p:spPr>
+          <a:xfrm>
+            <a:off x="1297500" y="1567550"/>
+            <a:ext cx="7038900" cy="2911200"/>
+          </a:xfrm>
+          <a:prstGeom prst="rect">
+            <a:avLst/>
+          </a:prstGeom>
+        </p:spPr>
+        <p:txBody>
+          <a:bodyPr spcFirstLastPara="1" wrap="square" lIns="91425" tIns="91425" rIns="91425" bIns="91425" anchor="t" anchorCtr="0">
+            <a:normAutofit/>
+          </a:bodyPr>
+          <a:lstStyle/>
+          <a:p>
+            <a:pPr marL="0" lvl="0" indent="0" algn="l" rtl="0">
+              <a:spcBef>
+                <a:spcPts val="0"/>
+              </a:spcBef>
+              <a:spcAft>
+                <a:spcPts val="1200"/>
+              </a:spcAft>
+              <a:buNone/>
+            </a:pPr>
+            <a:r>
+              <a:rPr lang="es-419" sz="1800" dirty="0">
+                <a:hlinkClick r:id="rId3"/>
+              </a:rPr>
+              <a:t>https://github.com/CristoferQ/ev-b-sumativa-1</a:t>
+            </a:r>
+            <a:endParaRPr lang="es-419" sz="1800" dirty="0"/>
+          </a:p>
+          <a:p>
+            <a:pPr marL="0" lvl="0" indent="0" algn="l" rtl="0">
+              <a:spcBef>
+                <a:spcPts val="0"/>
+              </a:spcBef>
+              <a:spcAft>
+                <a:spcPts val="1200"/>
+              </a:spcAft>
+              <a:buNone/>
+            </a:pPr>
+            <a:endParaRPr sz="1800" dirty="0"/>
+          </a:p>
+        </p:txBody>
+      </p:sp>
+    </p:spTree>
+    <p:extLst>
+      <p:ext uri="{BB962C8B-B14F-4D97-AF65-F5344CB8AC3E}">
+        <p14:creationId xmlns:p14="http://schemas.microsoft.com/office/powerpoint/2010/main" val="6995196"/>
+      </p:ext>
+    </p:extLst>
+  </p:cSld>
+  <p:clrMapOvr>
+    <a:masterClrMapping/>
+  </p:clrMapOvr>
+</p:sld>
+</file>
+
 <file path=ppt/theme/theme1.xml><?xml version="1.0" encoding="utf-8"?>
 <a:theme xmlns:a="http://schemas.openxmlformats.org/drawingml/2006/main" name="Focus">
   <a:themeElements>
